--- a/figures/performance_H2F/H2F-Q1-Field-CI.pptx
+++ b/figures/performance_H2F/H2F-Q1-Field-CI.pptx
@@ -2,7 +2,7 @@
 <file path=ppt/presentation.xml><?xml version="1.0" encoding="utf-8"?>
 <p:presentation xmlns:a="http://schemas.openxmlformats.org/drawingml/2006/main" xmlns:r="http://schemas.openxmlformats.org/officeDocument/2006/relationships" xmlns:p="http://schemas.openxmlformats.org/presentationml/2006/main" saveSubsetFonts="1" autoCompressPictures="0">
   <p:sldMasterIdLst>
-    <p:sldMasterId id="2147483660" r:id="rId1"/>
+    <p:sldMasterId id="2147483672" r:id="rId1"/>
   </p:sldMasterIdLst>
   <p:notesMasterIdLst>
     <p:notesMasterId r:id="rId3"/>
@@ -10,7 +10,7 @@
   <p:sldIdLst>
     <p:sldId id="258" r:id="rId2"/>
   </p:sldIdLst>
-  <p:sldSz cx="9144000" cy="8229600"/>
+  <p:sldSz cx="9144000" cy="7315200"/>
   <p:notesSz cx="6858000" cy="9144000"/>
   <p:defaultTextStyle>
     <a:defPPr>
@@ -197,7 +197,7 @@
           <a:p>
             <a:fld id="{C9B7F8B4-0196-2A4F-BA43-77CFAE848B3C}" type="datetimeFigureOut">
               <a:rPr lang="en-US" smtClean="0"/>
-              <a:t>11/2/25</a:t>
+              <a:t>11/9/25</a:t>
             </a:fld>
             <a:endParaRPr lang="en-US"/>
           </a:p>
@@ -215,8 +215,8 @@
         </p:nvSpPr>
         <p:spPr>
           <a:xfrm>
-            <a:off x="1714500" y="1143000"/>
-            <a:ext cx="3429000" cy="3086100"/>
+            <a:off x="1500188" y="1143000"/>
+            <a:ext cx="3857625" cy="3086100"/>
           </a:xfrm>
           <a:prstGeom prst="rect">
             <a:avLst/>
@@ -503,7 +503,12 @@
             <p:ph type="sldImg"/>
           </p:nvPr>
         </p:nvSpPr>
-        <p:spPr/>
+        <p:spPr>
+          <a:xfrm>
+            <a:off x="1500188" y="1143000"/>
+            <a:ext cx="3857625" cy="3086100"/>
+          </a:xfrm>
+        </p:spPr>
       </p:sp>
       <p:sp>
         <p:nvSpPr>
@@ -601,8 +606,8 @@
         </p:nvSpPr>
         <p:spPr>
           <a:xfrm>
-            <a:off x="685800" y="1346836"/>
-            <a:ext cx="7772400" cy="2865120"/>
+            <a:off x="685800" y="1197187"/>
+            <a:ext cx="7772400" cy="2546773"/>
           </a:xfrm>
         </p:spPr>
         <p:txBody>
@@ -633,8 +638,8 @@
         </p:nvSpPr>
         <p:spPr>
           <a:xfrm>
-            <a:off x="1143000" y="4322446"/>
-            <a:ext cx="6858000" cy="1986914"/>
+            <a:off x="1143000" y="3842174"/>
+            <a:ext cx="6858000" cy="1766146"/>
           </a:xfrm>
         </p:spPr>
         <p:txBody>
@@ -703,7 +708,7 @@
           <a:p>
             <a:fld id="{10480FFD-7D63-B249-98A6-038458E74E6F}" type="datetimeFigureOut">
               <a:rPr lang="en-US" smtClean="0"/>
-              <a:t>11/2/25</a:t>
+              <a:t>11/9/25</a:t>
             </a:fld>
             <a:endParaRPr lang="en-US"/>
           </a:p>
@@ -754,7 +759,7 @@
     </p:spTree>
     <p:extLst>
       <p:ext uri="{BB962C8B-B14F-4D97-AF65-F5344CB8AC3E}">
-        <p14:creationId xmlns:p14="http://schemas.microsoft.com/office/powerpoint/2010/main" val="1812630172"/>
+        <p14:creationId xmlns:p14="http://schemas.microsoft.com/office/powerpoint/2010/main" val="2028516914"/>
       </p:ext>
     </p:extLst>
   </p:cSld>
@@ -873,7 +878,7 @@
           <a:p>
             <a:fld id="{10480FFD-7D63-B249-98A6-038458E74E6F}" type="datetimeFigureOut">
               <a:rPr lang="en-US" smtClean="0"/>
-              <a:t>11/2/25</a:t>
+              <a:t>11/9/25</a:t>
             </a:fld>
             <a:endParaRPr lang="en-US"/>
           </a:p>
@@ -924,7 +929,7 @@
     </p:spTree>
     <p:extLst>
       <p:ext uri="{BB962C8B-B14F-4D97-AF65-F5344CB8AC3E}">
-        <p14:creationId xmlns:p14="http://schemas.microsoft.com/office/powerpoint/2010/main" val="3462305066"/>
+        <p14:creationId xmlns:p14="http://schemas.microsoft.com/office/powerpoint/2010/main" val="818119973"/>
       </p:ext>
     </p:extLst>
   </p:cSld>
@@ -963,8 +968,8 @@
         </p:nvSpPr>
         <p:spPr>
           <a:xfrm>
-            <a:off x="6543676" y="438150"/>
-            <a:ext cx="1971675" cy="6974206"/>
+            <a:off x="6543676" y="389467"/>
+            <a:ext cx="1971675" cy="6199294"/>
           </a:xfrm>
         </p:spPr>
         <p:txBody>
@@ -991,8 +996,8 @@
         </p:nvSpPr>
         <p:spPr>
           <a:xfrm>
-            <a:off x="628651" y="438150"/>
-            <a:ext cx="5800725" cy="6974206"/>
+            <a:off x="628651" y="389467"/>
+            <a:ext cx="5800725" cy="6199294"/>
           </a:xfrm>
         </p:spPr>
         <p:txBody>
@@ -1053,7 +1058,7 @@
           <a:p>
             <a:fld id="{10480FFD-7D63-B249-98A6-038458E74E6F}" type="datetimeFigureOut">
               <a:rPr lang="en-US" smtClean="0"/>
-              <a:t>11/2/25</a:t>
+              <a:t>11/9/25</a:t>
             </a:fld>
             <a:endParaRPr lang="en-US"/>
           </a:p>
@@ -1104,7 +1109,7 @@
     </p:spTree>
     <p:extLst>
       <p:ext uri="{BB962C8B-B14F-4D97-AF65-F5344CB8AC3E}">
-        <p14:creationId xmlns:p14="http://schemas.microsoft.com/office/powerpoint/2010/main" val="1973771377"/>
+        <p14:creationId xmlns:p14="http://schemas.microsoft.com/office/powerpoint/2010/main" val="490914124"/>
       </p:ext>
     </p:extLst>
   </p:cSld>
@@ -1223,7 +1228,7 @@
           <a:p>
             <a:fld id="{10480FFD-7D63-B249-98A6-038458E74E6F}" type="datetimeFigureOut">
               <a:rPr lang="en-US" smtClean="0"/>
-              <a:t>11/2/25</a:t>
+              <a:t>11/9/25</a:t>
             </a:fld>
             <a:endParaRPr lang="en-US"/>
           </a:p>
@@ -1274,7 +1279,7 @@
     </p:spTree>
     <p:extLst>
       <p:ext uri="{BB962C8B-B14F-4D97-AF65-F5344CB8AC3E}">
-        <p14:creationId xmlns:p14="http://schemas.microsoft.com/office/powerpoint/2010/main" val="3162507572"/>
+        <p14:creationId xmlns:p14="http://schemas.microsoft.com/office/powerpoint/2010/main" val="1477393590"/>
       </p:ext>
     </p:extLst>
   </p:cSld>
@@ -1313,8 +1318,8 @@
         </p:nvSpPr>
         <p:spPr>
           <a:xfrm>
-            <a:off x="623888" y="2051688"/>
-            <a:ext cx="7886700" cy="3423284"/>
+            <a:off x="623888" y="1823722"/>
+            <a:ext cx="7886700" cy="3042919"/>
           </a:xfrm>
         </p:spPr>
         <p:txBody>
@@ -1345,8 +1350,8 @@
         </p:nvSpPr>
         <p:spPr>
           <a:xfrm>
-            <a:off x="623888" y="5507358"/>
-            <a:ext cx="7886700" cy="1800224"/>
+            <a:off x="623888" y="4895429"/>
+            <a:ext cx="7886700" cy="1600199"/>
           </a:xfrm>
         </p:spPr>
         <p:txBody>
@@ -1469,7 +1474,7 @@
           <a:p>
             <a:fld id="{10480FFD-7D63-B249-98A6-038458E74E6F}" type="datetimeFigureOut">
               <a:rPr lang="en-US" smtClean="0"/>
-              <a:t>11/2/25</a:t>
+              <a:t>11/9/25</a:t>
             </a:fld>
             <a:endParaRPr lang="en-US"/>
           </a:p>
@@ -1520,7 +1525,7 @@
     </p:spTree>
     <p:extLst>
       <p:ext uri="{BB962C8B-B14F-4D97-AF65-F5344CB8AC3E}">
-        <p14:creationId xmlns:p14="http://schemas.microsoft.com/office/powerpoint/2010/main" val="3654088517"/>
+        <p14:creationId xmlns:p14="http://schemas.microsoft.com/office/powerpoint/2010/main" val="233542601"/>
       </p:ext>
     </p:extLst>
   </p:cSld>
@@ -1582,8 +1587,8 @@
         </p:nvSpPr>
         <p:spPr>
           <a:xfrm>
-            <a:off x="628650" y="2190750"/>
-            <a:ext cx="3886200" cy="5221606"/>
+            <a:off x="628650" y="1947333"/>
+            <a:ext cx="3886200" cy="4641427"/>
           </a:xfrm>
         </p:spPr>
         <p:txBody>
@@ -1639,8 +1644,8 @@
         </p:nvSpPr>
         <p:spPr>
           <a:xfrm>
-            <a:off x="4629150" y="2190750"/>
-            <a:ext cx="3886200" cy="5221606"/>
+            <a:off x="4629150" y="1947333"/>
+            <a:ext cx="3886200" cy="4641427"/>
           </a:xfrm>
         </p:spPr>
         <p:txBody>
@@ -1701,7 +1706,7 @@
           <a:p>
             <a:fld id="{10480FFD-7D63-B249-98A6-038458E74E6F}" type="datetimeFigureOut">
               <a:rPr lang="en-US" smtClean="0"/>
-              <a:t>11/2/25</a:t>
+              <a:t>11/9/25</a:t>
             </a:fld>
             <a:endParaRPr lang="en-US"/>
           </a:p>
@@ -1752,7 +1757,7 @@
     </p:spTree>
     <p:extLst>
       <p:ext uri="{BB962C8B-B14F-4D97-AF65-F5344CB8AC3E}">
-        <p14:creationId xmlns:p14="http://schemas.microsoft.com/office/powerpoint/2010/main" val="3288026037"/>
+        <p14:creationId xmlns:p14="http://schemas.microsoft.com/office/powerpoint/2010/main" val="766000221"/>
       </p:ext>
     </p:extLst>
   </p:cSld>
@@ -1791,8 +1796,8 @@
         </p:nvSpPr>
         <p:spPr>
           <a:xfrm>
-            <a:off x="629841" y="438152"/>
-            <a:ext cx="7886700" cy="1590676"/>
+            <a:off x="629841" y="389468"/>
+            <a:ext cx="7886700" cy="1413934"/>
           </a:xfrm>
         </p:spPr>
         <p:txBody>
@@ -1819,8 +1824,8 @@
         </p:nvSpPr>
         <p:spPr>
           <a:xfrm>
-            <a:off x="629842" y="2017396"/>
-            <a:ext cx="3868340" cy="988694"/>
+            <a:off x="629842" y="1793241"/>
+            <a:ext cx="3868340" cy="878839"/>
           </a:xfrm>
         </p:spPr>
         <p:txBody>
@@ -1884,8 +1889,8 @@
         </p:nvSpPr>
         <p:spPr>
           <a:xfrm>
-            <a:off x="629842" y="3006090"/>
-            <a:ext cx="3868340" cy="4421506"/>
+            <a:off x="629842" y="2672080"/>
+            <a:ext cx="3868340" cy="3930227"/>
           </a:xfrm>
         </p:spPr>
         <p:txBody>
@@ -1941,8 +1946,8 @@
         </p:nvSpPr>
         <p:spPr>
           <a:xfrm>
-            <a:off x="4629151" y="2017396"/>
-            <a:ext cx="3887391" cy="988694"/>
+            <a:off x="4629151" y="1793241"/>
+            <a:ext cx="3887391" cy="878839"/>
           </a:xfrm>
         </p:spPr>
         <p:txBody>
@@ -2006,8 +2011,8 @@
         </p:nvSpPr>
         <p:spPr>
           <a:xfrm>
-            <a:off x="4629151" y="3006090"/>
-            <a:ext cx="3887391" cy="4421506"/>
+            <a:off x="4629151" y="2672080"/>
+            <a:ext cx="3887391" cy="3930227"/>
           </a:xfrm>
         </p:spPr>
         <p:txBody>
@@ -2068,7 +2073,7 @@
           <a:p>
             <a:fld id="{10480FFD-7D63-B249-98A6-038458E74E6F}" type="datetimeFigureOut">
               <a:rPr lang="en-US" smtClean="0"/>
-              <a:t>11/2/25</a:t>
+              <a:t>11/9/25</a:t>
             </a:fld>
             <a:endParaRPr lang="en-US"/>
           </a:p>
@@ -2119,7 +2124,7 @@
     </p:spTree>
     <p:extLst>
       <p:ext uri="{BB962C8B-B14F-4D97-AF65-F5344CB8AC3E}">
-        <p14:creationId xmlns:p14="http://schemas.microsoft.com/office/powerpoint/2010/main" val="1974166601"/>
+        <p14:creationId xmlns:p14="http://schemas.microsoft.com/office/powerpoint/2010/main" val="2717544695"/>
       </p:ext>
     </p:extLst>
   </p:cSld>
@@ -2186,7 +2191,7 @@
           <a:p>
             <a:fld id="{10480FFD-7D63-B249-98A6-038458E74E6F}" type="datetimeFigureOut">
               <a:rPr lang="en-US" smtClean="0"/>
-              <a:t>11/2/25</a:t>
+              <a:t>11/9/25</a:t>
             </a:fld>
             <a:endParaRPr lang="en-US"/>
           </a:p>
@@ -2237,7 +2242,7 @@
     </p:spTree>
     <p:extLst>
       <p:ext uri="{BB962C8B-B14F-4D97-AF65-F5344CB8AC3E}">
-        <p14:creationId xmlns:p14="http://schemas.microsoft.com/office/powerpoint/2010/main" val="3368188235"/>
+        <p14:creationId xmlns:p14="http://schemas.microsoft.com/office/powerpoint/2010/main" val="2029303795"/>
       </p:ext>
     </p:extLst>
   </p:cSld>
@@ -2281,7 +2286,7 @@
           <a:p>
             <a:fld id="{10480FFD-7D63-B249-98A6-038458E74E6F}" type="datetimeFigureOut">
               <a:rPr lang="en-US" smtClean="0"/>
-              <a:t>11/2/25</a:t>
+              <a:t>11/9/25</a:t>
             </a:fld>
             <a:endParaRPr lang="en-US"/>
           </a:p>
@@ -2332,7 +2337,7 @@
     </p:spTree>
     <p:extLst>
       <p:ext uri="{BB962C8B-B14F-4D97-AF65-F5344CB8AC3E}">
-        <p14:creationId xmlns:p14="http://schemas.microsoft.com/office/powerpoint/2010/main" val="249866423"/>
+        <p14:creationId xmlns:p14="http://schemas.microsoft.com/office/powerpoint/2010/main" val="4016433581"/>
       </p:ext>
     </p:extLst>
   </p:cSld>
@@ -2371,8 +2376,8 @@
         </p:nvSpPr>
         <p:spPr>
           <a:xfrm>
-            <a:off x="629841" y="548640"/>
-            <a:ext cx="2949178" cy="1920240"/>
+            <a:off x="629841" y="487680"/>
+            <a:ext cx="2949178" cy="1706880"/>
           </a:xfrm>
         </p:spPr>
         <p:txBody>
@@ -2403,8 +2408,8 @@
         </p:nvSpPr>
         <p:spPr>
           <a:xfrm>
-            <a:off x="3887391" y="1184912"/>
-            <a:ext cx="4629150" cy="5848350"/>
+            <a:off x="3887391" y="1053255"/>
+            <a:ext cx="4629150" cy="5198533"/>
           </a:xfrm>
         </p:spPr>
         <p:txBody>
@@ -2488,8 +2493,8 @@
         </p:nvSpPr>
         <p:spPr>
           <a:xfrm>
-            <a:off x="629841" y="2468880"/>
-            <a:ext cx="2949178" cy="4573906"/>
+            <a:off x="629841" y="2194560"/>
+            <a:ext cx="2949178" cy="4065694"/>
           </a:xfrm>
         </p:spPr>
         <p:txBody>
@@ -2558,7 +2563,7 @@
           <a:p>
             <a:fld id="{10480FFD-7D63-B249-98A6-038458E74E6F}" type="datetimeFigureOut">
               <a:rPr lang="en-US" smtClean="0"/>
-              <a:t>11/2/25</a:t>
+              <a:t>11/9/25</a:t>
             </a:fld>
             <a:endParaRPr lang="en-US"/>
           </a:p>
@@ -2609,7 +2614,7 @@
     </p:spTree>
     <p:extLst>
       <p:ext uri="{BB962C8B-B14F-4D97-AF65-F5344CB8AC3E}">
-        <p14:creationId xmlns:p14="http://schemas.microsoft.com/office/powerpoint/2010/main" val="1466342450"/>
+        <p14:creationId xmlns:p14="http://schemas.microsoft.com/office/powerpoint/2010/main" val="976275073"/>
       </p:ext>
     </p:extLst>
   </p:cSld>
@@ -2648,8 +2653,8 @@
         </p:nvSpPr>
         <p:spPr>
           <a:xfrm>
-            <a:off x="629841" y="548640"/>
-            <a:ext cx="2949178" cy="1920240"/>
+            <a:off x="629841" y="487680"/>
+            <a:ext cx="2949178" cy="1706880"/>
           </a:xfrm>
         </p:spPr>
         <p:txBody>
@@ -2680,8 +2685,8 @@
         </p:nvSpPr>
         <p:spPr>
           <a:xfrm>
-            <a:off x="3887391" y="1184912"/>
-            <a:ext cx="4629150" cy="5848350"/>
+            <a:off x="3887391" y="1053255"/>
+            <a:ext cx="4629150" cy="5198533"/>
           </a:xfrm>
         </p:spPr>
         <p:txBody>
@@ -2745,8 +2750,8 @@
         </p:nvSpPr>
         <p:spPr>
           <a:xfrm>
-            <a:off x="629841" y="2468880"/>
-            <a:ext cx="2949178" cy="4573906"/>
+            <a:off x="629841" y="2194560"/>
+            <a:ext cx="2949178" cy="4065694"/>
           </a:xfrm>
         </p:spPr>
         <p:txBody>
@@ -2815,7 +2820,7 @@
           <a:p>
             <a:fld id="{10480FFD-7D63-B249-98A6-038458E74E6F}" type="datetimeFigureOut">
               <a:rPr lang="en-US" smtClean="0"/>
-              <a:t>11/2/25</a:t>
+              <a:t>11/9/25</a:t>
             </a:fld>
             <a:endParaRPr lang="en-US"/>
           </a:p>
@@ -2866,7 +2871,7 @@
     </p:spTree>
     <p:extLst>
       <p:ext uri="{BB962C8B-B14F-4D97-AF65-F5344CB8AC3E}">
-        <p14:creationId xmlns:p14="http://schemas.microsoft.com/office/powerpoint/2010/main" val="22783833"/>
+        <p14:creationId xmlns:p14="http://schemas.microsoft.com/office/powerpoint/2010/main" val="2497085193"/>
       </p:ext>
     </p:extLst>
   </p:cSld>
@@ -2910,8 +2915,8 @@
         </p:nvSpPr>
         <p:spPr>
           <a:xfrm>
-            <a:off x="628650" y="438152"/>
-            <a:ext cx="7886700" cy="1590676"/>
+            <a:off x="628650" y="389468"/>
+            <a:ext cx="7886700" cy="1413934"/>
           </a:xfrm>
           <a:prstGeom prst="rect">
             <a:avLst/>
@@ -2943,8 +2948,8 @@
         </p:nvSpPr>
         <p:spPr>
           <a:xfrm>
-            <a:off x="628650" y="2190750"/>
-            <a:ext cx="7886700" cy="5221606"/>
+            <a:off x="628650" y="1947333"/>
+            <a:ext cx="7886700" cy="4641427"/>
           </a:xfrm>
           <a:prstGeom prst="rect">
             <a:avLst/>
@@ -3005,8 +3010,8 @@
         </p:nvSpPr>
         <p:spPr>
           <a:xfrm>
-            <a:off x="628650" y="7627622"/>
-            <a:ext cx="2057400" cy="438150"/>
+            <a:off x="628650" y="6780108"/>
+            <a:ext cx="2057400" cy="389467"/>
           </a:xfrm>
           <a:prstGeom prst="rect">
             <a:avLst/>
@@ -3028,7 +3033,7 @@
           <a:p>
             <a:fld id="{10480FFD-7D63-B249-98A6-038458E74E6F}" type="datetimeFigureOut">
               <a:rPr lang="en-US" smtClean="0"/>
-              <a:t>11/2/25</a:t>
+              <a:t>11/9/25</a:t>
             </a:fld>
             <a:endParaRPr lang="en-US"/>
           </a:p>
@@ -3046,8 +3051,8 @@
         </p:nvSpPr>
         <p:spPr>
           <a:xfrm>
-            <a:off x="3028950" y="7627622"/>
-            <a:ext cx="3086100" cy="438150"/>
+            <a:off x="3028950" y="6780108"/>
+            <a:ext cx="3086100" cy="389467"/>
           </a:xfrm>
           <a:prstGeom prst="rect">
             <a:avLst/>
@@ -3083,8 +3088,8 @@
         </p:nvSpPr>
         <p:spPr>
           <a:xfrm>
-            <a:off x="6457950" y="7627622"/>
-            <a:ext cx="2057400" cy="438150"/>
+            <a:off x="6457950" y="6780108"/>
+            <a:ext cx="2057400" cy="389467"/>
           </a:xfrm>
           <a:prstGeom prst="rect">
             <a:avLst/>
@@ -3115,23 +3120,23 @@
     </p:spTree>
     <p:extLst>
       <p:ext uri="{BB962C8B-B14F-4D97-AF65-F5344CB8AC3E}">
-        <p14:creationId xmlns:p14="http://schemas.microsoft.com/office/powerpoint/2010/main" val="4024963325"/>
+        <p14:creationId xmlns:p14="http://schemas.microsoft.com/office/powerpoint/2010/main" val="8101058"/>
       </p:ext>
     </p:extLst>
   </p:cSld>
   <p:clrMap bg1="lt1" tx1="dk1" bg2="lt2" tx2="dk2" accent1="accent1" accent2="accent2" accent3="accent3" accent4="accent4" accent5="accent5" accent6="accent6" hlink="hlink" folHlink="folHlink"/>
   <p:sldLayoutIdLst>
-    <p:sldLayoutId id="2147483661" r:id="rId1"/>
-    <p:sldLayoutId id="2147483662" r:id="rId2"/>
-    <p:sldLayoutId id="2147483663" r:id="rId3"/>
-    <p:sldLayoutId id="2147483664" r:id="rId4"/>
-    <p:sldLayoutId id="2147483665" r:id="rId5"/>
-    <p:sldLayoutId id="2147483666" r:id="rId6"/>
-    <p:sldLayoutId id="2147483667" r:id="rId7"/>
-    <p:sldLayoutId id="2147483668" r:id="rId8"/>
-    <p:sldLayoutId id="2147483669" r:id="rId9"/>
-    <p:sldLayoutId id="2147483670" r:id="rId10"/>
-    <p:sldLayoutId id="2147483671" r:id="rId11"/>
+    <p:sldLayoutId id="2147483673" r:id="rId1"/>
+    <p:sldLayoutId id="2147483674" r:id="rId2"/>
+    <p:sldLayoutId id="2147483675" r:id="rId3"/>
+    <p:sldLayoutId id="2147483676" r:id="rId4"/>
+    <p:sldLayoutId id="2147483677" r:id="rId5"/>
+    <p:sldLayoutId id="2147483678" r:id="rId6"/>
+    <p:sldLayoutId id="2147483679" r:id="rId7"/>
+    <p:sldLayoutId id="2147483680" r:id="rId8"/>
+    <p:sldLayoutId id="2147483681" r:id="rId9"/>
+    <p:sldLayoutId id="2147483682" r:id="rId10"/>
+    <p:sldLayoutId id="2147483683" r:id="rId11"/>
   </p:sldLayoutIdLst>
   <p:txStyles>
     <p:titleStyle>
@@ -3453,7 +3458,7 @@
         </p:nvSpPr>
         <p:spPr>
           <a:xfrm>
-            <a:off x="5854640" y="6954634"/>
+            <a:off x="5920900" y="6612140"/>
             <a:ext cx="1475624" cy="292388"/>
           </a:xfrm>
           <a:prstGeom prst="rect">
@@ -3492,7 +3497,7 @@
         </p:nvSpPr>
         <p:spPr>
           <a:xfrm>
-            <a:off x="4415078" y="6960070"/>
+            <a:off x="4481338" y="6617576"/>
             <a:ext cx="1357338" cy="292388"/>
           </a:xfrm>
           <a:prstGeom prst="rect">
@@ -3531,7 +3536,7 @@
         </p:nvSpPr>
         <p:spPr>
           <a:xfrm>
-            <a:off x="2915121" y="6954634"/>
+            <a:off x="2981381" y="6612140"/>
             <a:ext cx="1357338" cy="292388"/>
           </a:xfrm>
           <a:prstGeom prst="rect">
@@ -3570,7 +3575,7 @@
         </p:nvSpPr>
         <p:spPr>
           <a:xfrm>
-            <a:off x="1040889" y="6954634"/>
+            <a:off x="1107149" y="6612140"/>
             <a:ext cx="1357338" cy="292388"/>
           </a:xfrm>
           <a:prstGeom prst="rect">
@@ -3609,7 +3614,7 @@
         </p:nvSpPr>
         <p:spPr>
           <a:xfrm rot="16200000">
-            <a:off x="1618408" y="5951691"/>
+            <a:off x="1684670" y="5609197"/>
             <a:ext cx="202301" cy="1804520"/>
           </a:xfrm>
           <a:prstGeom prst="leftBracket">
@@ -3658,7 +3663,7 @@
         </p:nvSpPr>
         <p:spPr>
           <a:xfrm rot="16200000">
-            <a:off x="3492639" y="5956659"/>
+            <a:off x="3558901" y="5614165"/>
             <a:ext cx="202301" cy="1804520"/>
           </a:xfrm>
           <a:prstGeom prst="leftBracket">
@@ -3707,7 +3712,7 @@
         </p:nvSpPr>
         <p:spPr>
           <a:xfrm rot="16200000">
-            <a:off x="5007165" y="6323675"/>
+            <a:off x="5073427" y="5981181"/>
             <a:ext cx="202301" cy="1060548"/>
           </a:xfrm>
           <a:prstGeom prst="leftBracket">
@@ -3756,7 +3761,7 @@
         </p:nvSpPr>
         <p:spPr>
           <a:xfrm rot="16200000">
-            <a:off x="6515366" y="5951688"/>
+            <a:off x="6581628" y="5609194"/>
             <a:ext cx="202301" cy="1804522"/>
           </a:xfrm>
           <a:prstGeom prst="leftBracket">
@@ -3805,7 +3810,7 @@
         </p:nvSpPr>
         <p:spPr>
           <a:xfrm>
-            <a:off x="2946061" y="7262411"/>
+            <a:off x="3012323" y="6919917"/>
             <a:ext cx="3239895" cy="292388"/>
           </a:xfrm>
           <a:prstGeom prst="rect">
@@ -3825,7 +3830,7 @@
                 <a:latin typeface="Helvetica" pitchFamily="2" charset="0"/>
                 <a:cs typeface="Arial Narrow" panose="020B0604020202020204" pitchFamily="34" charset="0"/>
               </a:rPr>
-              <a:t>Treatment Groups</a:t>
+              <a:t>Parental Treatment</a:t>
             </a:r>
           </a:p>
         </p:txBody>
@@ -3844,7 +3849,7 @@
         </p:nvSpPr>
         <p:spPr>
           <a:xfrm>
-            <a:off x="331771" y="864596"/>
+            <a:off x="398031" y="522104"/>
             <a:ext cx="457534" cy="419725"/>
           </a:xfrm>
           <a:prstGeom prst="rect">
@@ -3907,7 +3912,7 @@
         </p:blipFill>
         <p:spPr>
           <a:xfrm>
-            <a:off x="181871" y="446344"/>
+            <a:off x="248131" y="103851"/>
             <a:ext cx="8778240" cy="6302931"/>
           </a:xfrm>
           <a:prstGeom prst="rect">
@@ -3915,44 +3920,6 @@
           </a:prstGeom>
         </p:spPr>
       </p:pic>
-      <p:sp>
-        <p:nvSpPr>
-          <p:cNvPr id="15" name="TextBox 14">
-            <a:extLst>
-              <a:ext uri="{FF2B5EF4-FFF2-40B4-BE49-F238E27FC236}">
-                <a16:creationId xmlns:a16="http://schemas.microsoft.com/office/drawing/2014/main" id="{91F1ECB5-315E-CA70-21BD-64DB5AED4A8A}"/>
-              </a:ext>
-            </a:extLst>
-          </p:cNvPr>
-          <p:cNvSpPr txBox="1"/>
-          <p:nvPr/>
-        </p:nvSpPr>
-        <p:spPr>
-          <a:xfrm>
-            <a:off x="2556297" y="927338"/>
-            <a:ext cx="3717561" cy="307777"/>
-          </a:xfrm>
-          <a:prstGeom prst="rect">
-            <a:avLst/>
-          </a:prstGeom>
-          <a:noFill/>
-        </p:spPr>
-        <p:txBody>
-          <a:bodyPr wrap="square" rtlCol="0">
-            <a:spAutoFit/>
-          </a:bodyPr>
-          <a:lstStyle/>
-          <a:p>
-            <a:pPr algn="ctr"/>
-            <a:r>
-              <a:rPr lang="en-US" sz="1400" dirty="0">
-                <a:latin typeface="Helvetica" pitchFamily="2" charset="0"/>
-              </a:rPr>
-              <a:t>Pairwise comparison levels</a:t>
-            </a:r>
-          </a:p>
-        </p:txBody>
-      </p:sp>
       <p:sp>
         <p:nvSpPr>
           <p:cNvPr id="3" name="Rectangle 2">
@@ -3967,7 +3934,7 @@
         </p:nvSpPr>
         <p:spPr>
           <a:xfrm>
-            <a:off x="331771" y="927338"/>
+            <a:off x="398033" y="584844"/>
             <a:ext cx="597619" cy="901462"/>
           </a:xfrm>
           <a:prstGeom prst="rect">
@@ -4004,6 +3971,43 @@
           <a:p>
             <a:pPr algn="ctr"/>
             <a:endParaRPr lang="en-US"/>
+          </a:p>
+        </p:txBody>
+      </p:sp>
+      <p:sp>
+        <p:nvSpPr>
+          <p:cNvPr id="15" name="TextBox 14">
+            <a:extLst>
+              <a:ext uri="{FF2B5EF4-FFF2-40B4-BE49-F238E27FC236}">
+                <a16:creationId xmlns:a16="http://schemas.microsoft.com/office/drawing/2014/main" id="{91F1ECB5-315E-CA70-21BD-64DB5AED4A8A}"/>
+              </a:ext>
+            </a:extLst>
+          </p:cNvPr>
+          <p:cNvSpPr txBox="1"/>
+          <p:nvPr/>
+        </p:nvSpPr>
+        <p:spPr>
+          <a:xfrm>
+            <a:off x="-55524" y="915323"/>
+            <a:ext cx="1716162" cy="523220"/>
+          </a:xfrm>
+          <a:prstGeom prst="rect">
+            <a:avLst/>
+          </a:prstGeom>
+          <a:noFill/>
+        </p:spPr>
+        <p:txBody>
+          <a:bodyPr wrap="square" rtlCol="0">
+            <a:spAutoFit/>
+          </a:bodyPr>
+          <a:lstStyle/>
+          <a:p>
+            <a:r>
+              <a:rPr lang="en-US" sz="1400" dirty="0">
+                <a:latin typeface="Helvetica" pitchFamily="2" charset="0"/>
+              </a:rPr>
+              <a:t>Pairwise comparisons</a:t>
+            </a:r>
           </a:p>
         </p:txBody>
       </p:sp>
